--- a/ressources/docs/debriefing/debrief02/PresentationPER.pptx
+++ b/ressources/docs/debriefing/debrief02/PresentationPER.pptx
@@ -25,11 +25,11 @@
     <p:sldId id="295" r:id="rId13"/>
     <p:sldId id="294" r:id="rId14"/>
     <p:sldId id="284" r:id="rId15"/>
-    <p:sldId id="262" r:id="rId16"/>
-    <p:sldId id="286" r:id="rId17"/>
-    <p:sldId id="267" r:id="rId18"/>
-    <p:sldId id="276" r:id="rId19"/>
-    <p:sldId id="277" r:id="rId20"/>
+    <p:sldId id="296" r:id="rId16"/>
+    <p:sldId id="262" r:id="rId17"/>
+    <p:sldId id="286" r:id="rId18"/>
+    <p:sldId id="267" r:id="rId19"/>
+    <p:sldId id="276" r:id="rId20"/>
     <p:sldId id="278" r:id="rId21"/>
   </p:sldIdLst>
   <p:sldSz cx="9144000" cy="6858000" type="screen4x3"/>
@@ -216,7 +216,7 @@
             <a:fld id="{D83FDC75-7F73-4A4A-A77C-09AADF00E0EA}" type="datetimeFigureOut">
               <a:rPr lang="fr-FR" smtClean="0"/>
               <a:pPr/>
-              <a:t>11/11/2013</a:t>
+              <a:t>14/11/2013</a:t>
             </a:fld>
             <a:endParaRPr lang="fr-FR" dirty="0"/>
           </a:p>
@@ -383,7 +383,7 @@
           <a:p>
             <a:fld id="{48AEF76B-3757-4A0B-AF93-28494465C1DD}" type="datetimeFigureOut">
               <a:pPr/>
-              <a:t>11/11/2013</a:t>
+              <a:t>14/11/2013</a:t>
             </a:fld>
             <a:endParaRPr lang="fr-FR"/>
           </a:p>
@@ -1152,73 +1152,130 @@
       </p:grpSpPr>
       <p:sp>
         <p:nvSpPr>
-          <p:cNvPr id="3" name="Notes Placeholder 2"/>
-          <p:cNvSpPr>
-            <a:spLocks noGrp="1"/>
+          <p:cNvPr id="41986" name="Rectangle 23"/>
+          <p:cNvSpPr>
+            <a:spLocks noGrp="1" noChangeArrowheads="1"/>
+          </p:cNvSpPr>
+          <p:nvPr>
+            <p:ph type="hdr" sz="quarter"/>
+          </p:nvPr>
+        </p:nvSpPr>
+        <p:spPr>
+          <a:noFill/>
+        </p:spPr>
+        <p:txBody>
+          <a:bodyPr/>
+          <a:lstStyle/>
+          <a:p>
+            <a:r>
+              <a:rPr lang="fr-FR" dirty="0" smtClean="0"/>
+              <a:t>Microsoft </a:t>
+            </a:r>
+            <a:r>
+              <a:rPr lang="fr-FR" b="1" dirty="0" smtClean="0"/>
+              <a:t>Excellence en ingénierie</a:t>
+            </a:r>
+            <a:endParaRPr lang="fr-FR" dirty="0" smtClean="0"/>
+          </a:p>
+        </p:txBody>
+      </p:sp>
+      <p:sp>
+        <p:nvSpPr>
+          <p:cNvPr id="41987" name="Rectangle 25"/>
+          <p:cNvSpPr>
+            <a:spLocks noGrp="1" noChangeArrowheads="1"/>
+          </p:cNvSpPr>
+          <p:nvPr>
+            <p:ph type="ftr" sz="quarter" idx="4"/>
+          </p:nvPr>
+        </p:nvSpPr>
+        <p:spPr>
+          <a:noFill/>
+        </p:spPr>
+        <p:txBody>
+          <a:bodyPr/>
+          <a:lstStyle/>
+          <a:p>
+            <a:r>
+              <a:rPr lang="fr-FR" dirty="0" smtClean="0"/>
+              <a:t>Microsoft Confidentiel</a:t>
+            </a:r>
+          </a:p>
+        </p:txBody>
+      </p:sp>
+      <p:sp>
+        <p:nvSpPr>
+          <p:cNvPr id="41988" name="Rectangle 26"/>
+          <p:cNvSpPr>
+            <a:spLocks noGrp="1" noChangeArrowheads="1"/>
+          </p:cNvSpPr>
+          <p:nvPr>
+            <p:ph type="sldNum" sz="quarter" idx="5"/>
+          </p:nvPr>
+        </p:nvSpPr>
+        <p:spPr>
+          <a:noFill/>
+        </p:spPr>
+        <p:txBody>
+          <a:bodyPr/>
+          <a:lstStyle/>
+          <a:p>
+            <a:fld id="{B2B44A5F-6CE4-493C-A0D7-6834FF76660C}" type="slidenum">
+              <a:rPr lang="fr-FR" smtClean="0"/>
+              <a:pPr/>
+              <a:t>15</a:t>
+            </a:fld>
+            <a:endParaRPr lang="fr-FR" dirty="0" smtClean="0"/>
+          </a:p>
+        </p:txBody>
+      </p:sp>
+      <p:sp>
+        <p:nvSpPr>
+          <p:cNvPr id="41989" name="Rectangle 2"/>
+          <p:cNvSpPr>
+            <a:spLocks noGrp="1" noRot="1" noChangeAspect="1" noChangeArrowheads="1" noTextEdit="1"/>
+          </p:cNvSpPr>
+          <p:nvPr>
+            <p:ph type="sldImg"/>
+          </p:nvPr>
+        </p:nvSpPr>
+        <p:spPr>
+          <a:xfrm>
+            <a:off x="1143000" y="450850"/>
+            <a:ext cx="4572000" cy="3429000"/>
+          </a:xfrm>
+          <a:ln/>
+        </p:spPr>
+      </p:sp>
+      <p:sp>
+        <p:nvSpPr>
+          <p:cNvPr id="41990" name="Rectangle 3"/>
+          <p:cNvSpPr>
+            <a:spLocks noGrp="1" noChangeArrowheads="1"/>
           </p:cNvSpPr>
           <p:nvPr>
             <p:ph type="body" idx="1"/>
           </p:nvPr>
         </p:nvSpPr>
-        <p:spPr/>
-        <p:txBody>
-          <a:bodyPr numCol="2" spcCol="182880">
-            <a:noAutofit/>
-          </a:bodyPr>
+        <p:spPr>
+          <a:xfrm>
+            <a:off x="307492" y="4130104"/>
+            <a:ext cx="6261652" cy="4554823"/>
+          </a:xfrm>
+          <a:noFill/>
+          <a:ln/>
+        </p:spPr>
+        <p:txBody>
+          <a:bodyPr/>
           <a:lstStyle/>
           <a:p>
-            <a:pPr marL="228600" marR="0" indent="-228600" algn="l" defTabSz="914400" rtl="0" eaLnBrk="1" fontAlgn="auto" latinLnBrk="0" hangingPunct="1">
-              <a:lnSpc>
-                <a:spcPct val="100000"/>
-              </a:lnSpc>
-              <a:spcBef>
-                <a:spcPts val="0"/>
-              </a:spcBef>
-              <a:spcAft>
-                <a:spcPts val="0"/>
-              </a:spcAft>
-              <a:buClrTx/>
-              <a:buSzTx/>
-              <a:buFont typeface="+mj-lt"/>
-              <a:buNone/>
-              <a:tabLst/>
-              <a:defRPr lang="fr-FR"/>
-            </a:pPr>
-            <a:r>
-              <a:rPr lang="fr-FR" sz="1200" dirty="0" smtClean="0"/>
-              <a:t>Voici un autre exemple</a:t>
-            </a:r>
-            <a:r>
-              <a:rPr lang="fr-FR" sz="1200" baseline="0" dirty="0" smtClean="0"/>
-              <a:t> de diapositive de vue d’ensemble.</a:t>
-            </a:r>
-            <a:endParaRPr lang="fr-FR" sz="1200" dirty="0" smtClean="0"/>
-          </a:p>
-          <a:p>
-            <a:pPr marL="228600" indent="-228600">
-              <a:buFont typeface="+mj-lt"/>
+            <a:pPr>
+              <a:buFontTx/>
               <a:buNone/>
             </a:pPr>
-            <a:endParaRPr lang="fr-FR" sz="1200" dirty="0"/>
-          </a:p>
-        </p:txBody>
-      </p:sp>
-      <p:sp>
-        <p:nvSpPr>
-          <p:cNvPr id="5" name="Slide Image Placeholder 4"/>
-          <p:cNvSpPr>
-            <a:spLocks noGrp="1" noRot="1" noChangeAspect="1"/>
-          </p:cNvSpPr>
-          <p:nvPr>
-            <p:ph type="sldImg"/>
-          </p:nvPr>
-        </p:nvSpPr>
-        <p:spPr>
-          <a:xfrm>
-            <a:off x="539750" y="503238"/>
-            <a:ext cx="3143250" cy="2359025"/>
-          </a:xfrm>
-        </p:spPr>
+            <a:endParaRPr lang="fr-FR" dirty="0" smtClean="0"/>
+          </a:p>
+        </p:txBody>
       </p:sp>
     </p:spTree>
   </p:cSld>
@@ -1247,32 +1304,22 @@
       </p:grpSpPr>
       <p:sp>
         <p:nvSpPr>
-          <p:cNvPr id="2" name="Slide Image Placeholder 1"/>
-          <p:cNvSpPr>
-            <a:spLocks noGrp="1" noRot="1" noChangeAspect="1"/>
-          </p:cNvSpPr>
-          <p:nvPr>
-            <p:ph type="sldImg"/>
+          <p:cNvPr id="3" name="Notes Placeholder 2"/>
+          <p:cNvSpPr>
+            <a:spLocks noGrp="1"/>
+          </p:cNvSpPr>
+          <p:nvPr>
+            <p:ph type="body" idx="1"/>
           </p:nvPr>
         </p:nvSpPr>
         <p:spPr/>
-      </p:sp>
-      <p:sp>
-        <p:nvSpPr>
-          <p:cNvPr id="3" name="Notes Placeholder 2"/>
-          <p:cNvSpPr>
-            <a:spLocks noGrp="1"/>
-          </p:cNvSpPr>
-          <p:nvPr>
-            <p:ph type="body" idx="1"/>
-          </p:nvPr>
-        </p:nvSpPr>
-        <p:spPr/>
-        <p:txBody>
-          <a:bodyPr/>
+        <p:txBody>
+          <a:bodyPr numCol="2" spcCol="182880">
+            <a:noAutofit/>
+          </a:bodyPr>
           <a:lstStyle/>
           <a:p>
-            <a:pPr marL="0" marR="0" indent="0" algn="l" defTabSz="914400" rtl="0" eaLnBrk="1" fontAlgn="auto" latinLnBrk="0" hangingPunct="1">
+            <a:pPr marL="228600" marR="0" indent="-228600" algn="l" defTabSz="914400" rtl="0" eaLnBrk="1" fontAlgn="auto" latinLnBrk="0" hangingPunct="1">
               <a:lnSpc>
                 <a:spcPct val="100000"/>
               </a:lnSpc>
@@ -1284,44 +1331,46 @@
               </a:spcAft>
               <a:buClrTx/>
               <a:buSzTx/>
-              <a:buFontTx/>
+              <a:buFont typeface="+mj-lt"/>
               <a:buNone/>
               <a:tabLst/>
               <a:defRPr lang="fr-FR"/>
             </a:pPr>
             <a:r>
-              <a:rPr lang="fr-FR" dirty="0" smtClean="0"/>
-              <a:t>Utiliser un en-tête de section pour chacun des sujets afin de définir une transition claire pour l’audience. </a:t>
-            </a:r>
-          </a:p>
-          <a:p>
-            <a:endParaRPr lang="fr-FR" dirty="0"/>
-          </a:p>
-        </p:txBody>
-      </p:sp>
-      <p:sp>
-        <p:nvSpPr>
-          <p:cNvPr id="4" name="Slide Number Placeholder 3"/>
-          <p:cNvSpPr>
-            <a:spLocks noGrp="1"/>
-          </p:cNvSpPr>
-          <p:nvPr>
-            <p:ph type="sldNum" sz="quarter" idx="10"/>
-          </p:nvPr>
-        </p:nvSpPr>
-        <p:spPr/>
-        <p:txBody>
-          <a:bodyPr/>
-          <a:lstStyle/>
-          <a:p>
-            <a:fld id="{75693FD4-8F83-4EF7-AC3F-0DC0388986B0}" type="slidenum">
-              <a:rPr lang="fr-FR" smtClean="0"/>
-              <a:pPr/>
-              <a:t>16</a:t>
-            </a:fld>
-            <a:endParaRPr lang="fr-FR" dirty="0"/>
-          </a:p>
-        </p:txBody>
+              <a:rPr lang="fr-FR" sz="1200" dirty="0" smtClean="0"/>
+              <a:t>Voici un autre exemple</a:t>
+            </a:r>
+            <a:r>
+              <a:rPr lang="fr-FR" sz="1200" baseline="0" dirty="0" smtClean="0"/>
+              <a:t> de diapositive de vue d’ensemble.</a:t>
+            </a:r>
+            <a:endParaRPr lang="fr-FR" sz="1200" dirty="0" smtClean="0"/>
+          </a:p>
+          <a:p>
+            <a:pPr marL="228600" indent="-228600">
+              <a:buFont typeface="+mj-lt"/>
+              <a:buNone/>
+            </a:pPr>
+            <a:endParaRPr lang="fr-FR" sz="1200" dirty="0"/>
+          </a:p>
+        </p:txBody>
+      </p:sp>
+      <p:sp>
+        <p:nvSpPr>
+          <p:cNvPr id="5" name="Slide Image Placeholder 4"/>
+          <p:cNvSpPr>
+            <a:spLocks noGrp="1" noRot="1" noChangeAspect="1"/>
+          </p:cNvSpPr>
+          <p:nvPr>
+            <p:ph type="sldImg"/>
+          </p:nvPr>
+        </p:nvSpPr>
+        <p:spPr>
+          <a:xfrm>
+            <a:off x="539750" y="503238"/>
+            <a:ext cx="3143250" cy="2359025"/>
+          </a:xfrm>
+        </p:spPr>
       </p:sp>
     </p:spTree>
   </p:cSld>
@@ -1372,58 +1421,57 @@
         </p:nvSpPr>
         <p:spPr/>
         <p:txBody>
-          <a:bodyPr>
-            <a:normAutofit/>
-          </a:bodyPr>
-          <a:lstStyle/>
-          <a:p>
-            <a:r>
-              <a:rPr lang="fr-FR" dirty="0" smtClean="0"/>
-              <a:t>Ajoutez des diapositives à chaque section de sujet, y compris des diapositives contenant des tableaux, des graphiques et des images. </a:t>
-            </a:r>
-          </a:p>
-          <a:p>
-            <a:r>
-              <a:rPr lang="fr-FR" dirty="0" smtClean="0"/>
-              <a:t>Voir exemple dans la section suivante</a:t>
-            </a:r>
-            <a:r>
-              <a:rPr lang="fr-FR" baseline="0" dirty="0" smtClean="0"/>
-              <a:t> </a:t>
-            </a:r>
-            <a:r>
-              <a:rPr lang="fr-FR" dirty="0" smtClean="0"/>
-              <a:t>de tableau,</a:t>
-            </a:r>
-            <a:r>
-              <a:rPr lang="fr-FR" baseline="0" dirty="0" smtClean="0"/>
-              <a:t> de graphique, d’image et de vidéo. </a:t>
-            </a:r>
-            <a:endParaRPr lang="fr-FR" dirty="0"/>
-          </a:p>
-        </p:txBody>
-      </p:sp>
-      <p:sp>
-        <p:nvSpPr>
-          <p:cNvPr id="4" name="Slide Number Placeholder 3"/>
-          <p:cNvSpPr>
-            <a:spLocks noGrp="1"/>
-          </p:cNvSpPr>
-          <p:nvPr>
-            <p:ph type="sldNum" sz="quarter" idx="10"/>
-          </p:nvPr>
-        </p:nvSpPr>
-        <p:spPr/>
-        <p:txBody>
           <a:bodyPr/>
           <a:lstStyle/>
           <a:p>
-            <a:fld id="{EC6EAC7D-5A89-47C2-8ABA-56C9C2DEF7A4}" type="slidenum">
+            <a:pPr marL="0" marR="0" indent="0" algn="l" defTabSz="914400" rtl="0" eaLnBrk="1" fontAlgn="auto" latinLnBrk="0" hangingPunct="1">
+              <a:lnSpc>
+                <a:spcPct val="100000"/>
+              </a:lnSpc>
+              <a:spcBef>
+                <a:spcPts val="0"/>
+              </a:spcBef>
+              <a:spcAft>
+                <a:spcPts val="0"/>
+              </a:spcAft>
+              <a:buClrTx/>
+              <a:buSzTx/>
+              <a:buFontTx/>
+              <a:buNone/>
+              <a:tabLst/>
+              <a:defRPr lang="fr-FR"/>
+            </a:pPr>
+            <a:r>
+              <a:rPr lang="fr-FR" dirty="0" smtClean="0"/>
+              <a:t>Utiliser un en-tête de section pour chacun des sujets afin de définir une transition claire pour l’audience. </a:t>
+            </a:r>
+          </a:p>
+          <a:p>
+            <a:endParaRPr lang="fr-FR" dirty="0"/>
+          </a:p>
+        </p:txBody>
+      </p:sp>
+      <p:sp>
+        <p:nvSpPr>
+          <p:cNvPr id="4" name="Slide Number Placeholder 3"/>
+          <p:cNvSpPr>
+            <a:spLocks noGrp="1"/>
+          </p:cNvSpPr>
+          <p:nvPr>
+            <p:ph type="sldNum" sz="quarter" idx="10"/>
+          </p:nvPr>
+        </p:nvSpPr>
+        <p:spPr/>
+        <p:txBody>
+          <a:bodyPr/>
+          <a:lstStyle/>
+          <a:p>
+            <a:fld id="{75693FD4-8F83-4EF7-AC3F-0DC0388986B0}" type="slidenum">
               <a:rPr lang="fr-FR" smtClean="0"/>
               <a:pPr/>
               <a:t>17</a:t>
             </a:fld>
-            <a:endParaRPr lang="fr-FR"/>
+            <a:endParaRPr lang="fr-FR" dirty="0"/>
           </a:p>
         </p:txBody>
       </p:sp>
@@ -1454,128 +1502,80 @@
       </p:grpSpPr>
       <p:sp>
         <p:nvSpPr>
-          <p:cNvPr id="40962" name="Rectangle 23"/>
-          <p:cNvSpPr>
-            <a:spLocks noGrp="1" noChangeArrowheads="1"/>
-          </p:cNvSpPr>
-          <p:nvPr>
-            <p:ph type="hdr" sz="quarter"/>
-          </p:nvPr>
-        </p:nvSpPr>
-        <p:spPr>
-          <a:noFill/>
-        </p:spPr>
+          <p:cNvPr id="2" name="Slide Image Placeholder 1"/>
+          <p:cNvSpPr>
+            <a:spLocks noGrp="1" noRot="1" noChangeAspect="1"/>
+          </p:cNvSpPr>
+          <p:nvPr>
+            <p:ph type="sldImg"/>
+          </p:nvPr>
+        </p:nvSpPr>
+        <p:spPr/>
+      </p:sp>
+      <p:sp>
+        <p:nvSpPr>
+          <p:cNvPr id="3" name="Notes Placeholder 2"/>
+          <p:cNvSpPr>
+            <a:spLocks noGrp="1"/>
+          </p:cNvSpPr>
+          <p:nvPr>
+            <p:ph type="body" idx="1"/>
+          </p:nvPr>
+        </p:nvSpPr>
+        <p:spPr/>
+        <p:txBody>
+          <a:bodyPr>
+            <a:normAutofit/>
+          </a:bodyPr>
+          <a:lstStyle/>
+          <a:p>
+            <a:r>
+              <a:rPr lang="fr-FR" dirty="0" smtClean="0"/>
+              <a:t>Ajoutez des diapositives à chaque section de sujet, y compris des diapositives contenant des tableaux, des graphiques et des images. </a:t>
+            </a:r>
+          </a:p>
+          <a:p>
+            <a:r>
+              <a:rPr lang="fr-FR" dirty="0" smtClean="0"/>
+              <a:t>Voir exemple dans la section suivante</a:t>
+            </a:r>
+            <a:r>
+              <a:rPr lang="fr-FR" baseline="0" dirty="0" smtClean="0"/>
+              <a:t> </a:t>
+            </a:r>
+            <a:r>
+              <a:rPr lang="fr-FR" dirty="0" smtClean="0"/>
+              <a:t>de tableau,</a:t>
+            </a:r>
+            <a:r>
+              <a:rPr lang="fr-FR" baseline="0" dirty="0" smtClean="0"/>
+              <a:t> de graphique, d’image et de vidéo. </a:t>
+            </a:r>
+            <a:endParaRPr lang="fr-FR" dirty="0"/>
+          </a:p>
+        </p:txBody>
+      </p:sp>
+      <p:sp>
+        <p:nvSpPr>
+          <p:cNvPr id="4" name="Slide Number Placeholder 3"/>
+          <p:cNvSpPr>
+            <a:spLocks noGrp="1"/>
+          </p:cNvSpPr>
+          <p:nvPr>
+            <p:ph type="sldNum" sz="quarter" idx="10"/>
+          </p:nvPr>
+        </p:nvSpPr>
+        <p:spPr/>
         <p:txBody>
           <a:bodyPr/>
           <a:lstStyle/>
           <a:p>
-            <a:r>
-              <a:rPr lang="fr-FR" dirty="0" smtClean="0"/>
-              <a:t>Microsoft </a:t>
-            </a:r>
-            <a:r>
-              <a:rPr lang="fr-FR" b="1" dirty="0" smtClean="0"/>
-              <a:t>Excellence en ingénierie</a:t>
-            </a:r>
-            <a:endParaRPr lang="fr-FR" dirty="0" smtClean="0"/>
-          </a:p>
-        </p:txBody>
-      </p:sp>
-      <p:sp>
-        <p:nvSpPr>
-          <p:cNvPr id="40963" name="Rectangle 25"/>
-          <p:cNvSpPr>
-            <a:spLocks noGrp="1" noChangeArrowheads="1"/>
-          </p:cNvSpPr>
-          <p:nvPr>
-            <p:ph type="ftr" sz="quarter" idx="4"/>
-          </p:nvPr>
-        </p:nvSpPr>
-        <p:spPr>
-          <a:noFill/>
-        </p:spPr>
-        <p:txBody>
-          <a:bodyPr/>
-          <a:lstStyle/>
-          <a:p>
-            <a:r>
-              <a:rPr lang="fr-FR" dirty="0" smtClean="0"/>
-              <a:t>Microsoft Confidentiel</a:t>
-            </a:r>
-          </a:p>
-        </p:txBody>
-      </p:sp>
-      <p:sp>
-        <p:nvSpPr>
-          <p:cNvPr id="40964" name="Rectangle 26"/>
-          <p:cNvSpPr>
-            <a:spLocks noGrp="1" noChangeArrowheads="1"/>
-          </p:cNvSpPr>
-          <p:nvPr>
-            <p:ph type="sldNum" sz="quarter" idx="5"/>
-          </p:nvPr>
-        </p:nvSpPr>
-        <p:spPr>
-          <a:noFill/>
-        </p:spPr>
-        <p:txBody>
-          <a:bodyPr/>
-          <a:lstStyle/>
-          <a:p>
-            <a:fld id="{85CEDE57-F8FE-4B43-B511-2E9F76624F74}" type="slidenum">
+            <a:fld id="{EC6EAC7D-5A89-47C2-8ABA-56C9C2DEF7A4}" type="slidenum">
               <a:rPr lang="fr-FR" smtClean="0"/>
               <a:pPr/>
               <a:t>18</a:t>
             </a:fld>
-            <a:endParaRPr lang="fr-FR" dirty="0" smtClean="0"/>
-          </a:p>
-        </p:txBody>
-      </p:sp>
-      <p:sp>
-        <p:nvSpPr>
-          <p:cNvPr id="40965" name="Rectangle 2"/>
-          <p:cNvSpPr>
-            <a:spLocks noGrp="1" noRot="1" noChangeAspect="1" noChangeArrowheads="1" noTextEdit="1"/>
-          </p:cNvSpPr>
-          <p:nvPr>
-            <p:ph type="sldImg"/>
-          </p:nvPr>
-        </p:nvSpPr>
-        <p:spPr>
-          <a:xfrm>
-            <a:off x="1157288" y="449263"/>
-            <a:ext cx="4541837" cy="3408362"/>
-          </a:xfrm>
-          <a:ln/>
-        </p:spPr>
-      </p:sp>
-      <p:sp>
-        <p:nvSpPr>
-          <p:cNvPr id="40966" name="Rectangle 3"/>
-          <p:cNvSpPr>
-            <a:spLocks noGrp="1" noChangeArrowheads="1"/>
-          </p:cNvSpPr>
-          <p:nvPr>
-            <p:ph type="body" idx="1"/>
-          </p:nvPr>
-        </p:nvSpPr>
-        <p:spPr>
-          <a:xfrm>
-            <a:off x="307492" y="4139472"/>
-            <a:ext cx="6261652" cy="4593861"/>
-          </a:xfrm>
-          <a:noFill/>
-          <a:ln/>
-        </p:spPr>
-        <p:txBody>
-          <a:bodyPr/>
-          <a:lstStyle/>
-          <a:p>
-            <a:pPr>
-              <a:buFontTx/>
-              <a:buNone/>
-            </a:pPr>
-            <a:endParaRPr lang="fr-FR" dirty="0" smtClean="0"/>
+            <a:endParaRPr lang="fr-FR"/>
           </a:p>
         </p:txBody>
       </p:sp>
@@ -1606,7 +1606,7 @@
       </p:grpSpPr>
       <p:sp>
         <p:nvSpPr>
-          <p:cNvPr id="41986" name="Rectangle 23"/>
+          <p:cNvPr id="40962" name="Rectangle 23"/>
           <p:cNvSpPr>
             <a:spLocks noGrp="1" noChangeArrowheads="1"/>
           </p:cNvSpPr>
@@ -1635,7 +1635,7 @@
       </p:sp>
       <p:sp>
         <p:nvSpPr>
-          <p:cNvPr id="41987" name="Rectangle 25"/>
+          <p:cNvPr id="40963" name="Rectangle 25"/>
           <p:cNvSpPr>
             <a:spLocks noGrp="1" noChangeArrowheads="1"/>
           </p:cNvSpPr>
@@ -1659,7 +1659,7 @@
       </p:sp>
       <p:sp>
         <p:nvSpPr>
-          <p:cNvPr id="41988" name="Rectangle 26"/>
+          <p:cNvPr id="40964" name="Rectangle 26"/>
           <p:cNvSpPr>
             <a:spLocks noGrp="1" noChangeArrowheads="1"/>
           </p:cNvSpPr>
@@ -1674,7 +1674,7 @@
           <a:bodyPr/>
           <a:lstStyle/>
           <a:p>
-            <a:fld id="{B2B44A5F-6CE4-493C-A0D7-6834FF76660C}" type="slidenum">
+            <a:fld id="{85CEDE57-F8FE-4B43-B511-2E9F76624F74}" type="slidenum">
               <a:rPr lang="fr-FR" smtClean="0"/>
               <a:pPr/>
               <a:t>19</a:t>
@@ -1685,7 +1685,7 @@
       </p:sp>
       <p:sp>
         <p:nvSpPr>
-          <p:cNvPr id="41989" name="Rectangle 2"/>
+          <p:cNvPr id="40965" name="Rectangle 2"/>
           <p:cNvSpPr>
             <a:spLocks noGrp="1" noRot="1" noChangeAspect="1" noChangeArrowheads="1" noTextEdit="1"/>
           </p:cNvSpPr>
@@ -1695,15 +1695,15 @@
         </p:nvSpPr>
         <p:spPr>
           <a:xfrm>
-            <a:off x="1143000" y="450850"/>
-            <a:ext cx="4572000" cy="3429000"/>
+            <a:off x="1157288" y="449263"/>
+            <a:ext cx="4541837" cy="3408362"/>
           </a:xfrm>
           <a:ln/>
         </p:spPr>
       </p:sp>
       <p:sp>
         <p:nvSpPr>
-          <p:cNvPr id="41990" name="Rectangle 3"/>
+          <p:cNvPr id="40966" name="Rectangle 3"/>
           <p:cNvSpPr>
             <a:spLocks noGrp="1" noChangeArrowheads="1"/>
           </p:cNvSpPr>
@@ -1713,8 +1713,8 @@
         </p:nvSpPr>
         <p:spPr>
           <a:xfrm>
-            <a:off x="307492" y="4130104"/>
-            <a:ext cx="6261652" cy="4554823"/>
+            <a:off x="307492" y="4139472"/>
+            <a:ext cx="6261652" cy="4593861"/>
           </a:xfrm>
           <a:noFill/>
           <a:ln/>
@@ -6614,11 +6614,11 @@
           <a:p>
             <a:r>
               <a:rPr lang="fr-FR" sz="1400" dirty="0" err="1" smtClean="0"/>
-              <a:t>Narbel</a:t>
+              <a:t>Desbarats</a:t>
             </a:r>
             <a:r>
               <a:rPr lang="fr-FR" sz="1400" dirty="0" smtClean="0"/>
-              <a:t> Philippe</a:t>
+              <a:t> Pascal</a:t>
             </a:r>
             <a:endParaRPr lang="fr-FR" sz="1400" dirty="0"/>
           </a:p>
@@ -7066,6 +7066,47 @@
           </a:p>
         </p:txBody>
       </p:sp>
+      <p:pic>
+        <p:nvPicPr>
+          <p:cNvPr id="1026" name="Picture 2" descr="https://encrypted-tbn2.gstatic.com/images?q=tbn:ANd9GcRadP3DGkn6SxnHBVfxLX8gdL5OLYL7S1rCgsMWPPz62ss5xbUA1w"/>
+          <p:cNvPicPr>
+            <a:picLocks noChangeAspect="1" noChangeArrowheads="1"/>
+          </p:cNvPicPr>
+          <p:nvPr/>
+        </p:nvPicPr>
+        <p:blipFill>
+          <a:blip r:embed="rId7">
+            <a:extLst>
+              <a:ext uri="{28A0092B-C50C-407E-A947-70E740481C1C}">
+                <a14:useLocalDpi xmlns:a14="http://schemas.microsoft.com/office/drawing/2010/main" val="0"/>
+              </a:ext>
+            </a:extLst>
+          </a:blip>
+          <a:srcRect/>
+          <a:stretch>
+            <a:fillRect/>
+          </a:stretch>
+        </p:blipFill>
+        <p:spPr bwMode="auto">
+          <a:xfrm>
+            <a:off x="6372200" y="2060848"/>
+            <a:ext cx="2124075" cy="2152650"/>
+          </a:xfrm>
+          <a:prstGeom prst="rect">
+            <a:avLst/>
+          </a:prstGeom>
+          <a:noFill/>
+          <a:extLst>
+            <a:ext uri="{909E8E84-426E-40DD-AFC4-6F175D3DCCD1}">
+              <a14:hiddenFill xmlns:a14="http://schemas.microsoft.com/office/drawing/2010/main">
+                <a:solidFill>
+                  <a:srgbClr val="FFFFFF"/>
+                </a:solidFill>
+              </a14:hiddenFill>
+            </a:ext>
+          </a:extLst>
+        </p:spPr>
+      </p:pic>
     </p:spTree>
     <p:extLst>
       <p:ext uri="{BB962C8B-B14F-4D97-AF65-F5344CB8AC3E}">
@@ -7185,7 +7226,7 @@
               <a:pPr/>
               <a:t>11</a:t>
             </a:fld>
-            <a:endParaRPr kumimoji="0" lang="fr-FR"/>
+            <a:endParaRPr kumimoji="0" lang="fr-FR" dirty="0"/>
           </a:p>
         </p:txBody>
       </p:sp>
@@ -7477,8 +7518,8 @@
         </p:nvSpPr>
         <p:spPr>
           <a:xfrm>
-            <a:off x="2483768" y="1247269"/>
-            <a:ext cx="3024336" cy="3477875"/>
+            <a:off x="2483768" y="980132"/>
+            <a:ext cx="3456384" cy="4154984"/>
           </a:xfrm>
           <a:prstGeom prst="rect">
             <a:avLst/>
@@ -7502,10 +7543,7 @@
             <a:endParaRPr lang="fr-FR" sz="2400" i="1" u="sng" dirty="0" smtClean="0"/>
           </a:p>
           <a:p>
-            <a:endParaRPr lang="fr-FR" dirty="0"/>
-          </a:p>
-          <a:p>
-            <a:endParaRPr lang="fr-FR" dirty="0"/>
+            <a:endParaRPr lang="fr-FR" sz="2400" dirty="0"/>
           </a:p>
           <a:p>
             <a:pPr marL="285750" indent="-285750">
@@ -7513,20 +7551,49 @@
               <a:buChar char="•"/>
             </a:pPr>
             <a:r>
-              <a:rPr lang="fr-FR" dirty="0" err="1" smtClean="0"/>
+              <a:rPr lang="fr-FR" sz="2400" dirty="0" err="1" smtClean="0"/>
               <a:t>Theory</a:t>
             </a:r>
             <a:r>
-              <a:rPr lang="fr-FR" dirty="0" smtClean="0"/>
+              <a:rPr lang="fr-FR" sz="2400" dirty="0" smtClean="0"/>
               <a:t> : 900km² in 18 min</a:t>
             </a:r>
+            <a:endParaRPr lang="fr-FR" sz="2400" dirty="0"/>
           </a:p>
           <a:p>
             <a:pPr marL="285750" indent="-285750">
               <a:buFont typeface="Arial" pitchFamily="34" charset="0"/>
               <a:buChar char="•"/>
             </a:pPr>
-            <a:endParaRPr lang="fr-FR" dirty="0"/>
+            <a:r>
+              <a:rPr lang="fr-FR" sz="2400" dirty="0" err="1" smtClean="0"/>
+              <a:t>Prevision</a:t>
+            </a:r>
+            <a:r>
+              <a:rPr lang="fr-FR" sz="2400" dirty="0" smtClean="0"/>
+              <a:t> : 40 min </a:t>
+            </a:r>
+            <a:r>
+              <a:rPr lang="fr-FR" sz="2400" dirty="0" err="1" smtClean="0"/>
+              <a:t>because</a:t>
+            </a:r>
+            <a:r>
+              <a:rPr lang="fr-FR" sz="2400" dirty="0" smtClean="0"/>
+              <a:t> of </a:t>
+            </a:r>
+            <a:r>
+              <a:rPr lang="fr-FR" sz="2400" dirty="0" err="1" smtClean="0"/>
+              <a:t>several</a:t>
+            </a:r>
+            <a:r>
+              <a:rPr lang="fr-FR" sz="2400" dirty="0" smtClean="0"/>
+              <a:t> </a:t>
+            </a:r>
+            <a:r>
+              <a:rPr lang="fr-FR" sz="2400" dirty="0" err="1" smtClean="0"/>
+              <a:t>turnings</a:t>
+            </a:r>
+            <a:endParaRPr lang="fr-FR" sz="2400" dirty="0"/>
           </a:p>
           <a:p>
             <a:pPr marL="285750" indent="-285750">
@@ -7534,61 +7601,19 @@
               <a:buChar char="•"/>
             </a:pPr>
             <a:r>
-              <a:rPr lang="fr-FR" dirty="0" err="1" smtClean="0"/>
-              <a:t>Prevision</a:t>
-            </a:r>
-            <a:r>
-              <a:rPr lang="fr-FR" dirty="0" smtClean="0"/>
-              <a:t> : 40 min </a:t>
-            </a:r>
-            <a:r>
-              <a:rPr lang="fr-FR" dirty="0" err="1" smtClean="0"/>
-              <a:t>because</a:t>
-            </a:r>
-            <a:r>
-              <a:rPr lang="fr-FR" dirty="0" smtClean="0"/>
-              <a:t> of </a:t>
-            </a:r>
-            <a:r>
-              <a:rPr lang="fr-FR" dirty="0" err="1" smtClean="0"/>
-              <a:t>several</a:t>
-            </a:r>
-            <a:r>
-              <a:rPr lang="fr-FR" dirty="0" smtClean="0"/>
-              <a:t> </a:t>
-            </a:r>
-            <a:r>
-              <a:rPr lang="fr-FR" dirty="0" err="1" smtClean="0"/>
-              <a:t>turnings</a:t>
-            </a:r>
-            <a:endParaRPr lang="fr-FR" dirty="0" smtClean="0"/>
-          </a:p>
-          <a:p>
-            <a:pPr marL="285750" indent="-285750">
-              <a:buFont typeface="Arial" pitchFamily="34" charset="0"/>
-              <a:buChar char="•"/>
-            </a:pPr>
-            <a:endParaRPr lang="fr-FR" dirty="0"/>
-          </a:p>
-          <a:p>
-            <a:pPr marL="285750" indent="-285750">
-              <a:buFont typeface="Arial" pitchFamily="34" charset="0"/>
-              <a:buChar char="•"/>
-            </a:pPr>
-            <a:r>
-              <a:rPr lang="fr-FR" dirty="0" err="1" smtClean="0"/>
+              <a:rPr lang="fr-FR" sz="2400" dirty="0" err="1" smtClean="0"/>
               <a:t>Rapidity</a:t>
             </a:r>
             <a:r>
-              <a:rPr lang="fr-FR" dirty="0" smtClean="0"/>
+              <a:rPr lang="fr-FR" sz="2400" dirty="0" smtClean="0"/>
               <a:t> of scanning : 0,083 km²/s per UAV</a:t>
             </a:r>
           </a:p>
           <a:p>
-            <a:endParaRPr lang="fr-FR" dirty="0"/>
-          </a:p>
-          <a:p>
-            <a:endParaRPr lang="fr-FR" dirty="0"/>
+            <a:endParaRPr lang="fr-FR" sz="2400" dirty="0"/>
+          </a:p>
+          <a:p>
+            <a:endParaRPr lang="fr-FR" sz="2400" dirty="0"/>
           </a:p>
         </p:txBody>
       </p:sp>
@@ -7608,10 +7633,54 @@
           <a:lstStyle/>
           <a:p>
             <a:r>
-              <a:rPr kumimoji="0" lang="fr-FR" smtClean="0"/>
-              <a:t>Master 2 – Computer Science – Authors : fcastagn, jetcheve, hpaziews, altessie &amp; mtesta</a:t>
-            </a:r>
-            <a:endParaRPr kumimoji="0" lang="fr-FR"/>
+              <a:rPr kumimoji="0" lang="fr-FR" dirty="0" smtClean="0"/>
+              <a:t>Master 2 – Computer Science – </a:t>
+            </a:r>
+            <a:r>
+              <a:rPr kumimoji="0" lang="fr-FR" dirty="0" err="1" smtClean="0"/>
+              <a:t>Authors</a:t>
+            </a:r>
+            <a:r>
+              <a:rPr kumimoji="0" lang="fr-FR" dirty="0" smtClean="0"/>
+              <a:t> : </a:t>
+            </a:r>
+            <a:r>
+              <a:rPr kumimoji="0" lang="fr-FR" dirty="0" err="1" smtClean="0"/>
+              <a:t>fcastagn</a:t>
+            </a:r>
+            <a:r>
+              <a:rPr kumimoji="0" lang="fr-FR" dirty="0" smtClean="0"/>
+              <a:t>, </a:t>
+            </a:r>
+            <a:r>
+              <a:rPr kumimoji="0" lang="fr-FR" dirty="0" err="1" smtClean="0"/>
+              <a:t>jetcheve</a:t>
+            </a:r>
+            <a:r>
+              <a:rPr kumimoji="0" lang="fr-FR" dirty="0" smtClean="0"/>
+              <a:t>, </a:t>
+            </a:r>
+            <a:r>
+              <a:rPr kumimoji="0" lang="fr-FR" dirty="0" err="1" smtClean="0"/>
+              <a:t>hpaziews</a:t>
+            </a:r>
+            <a:r>
+              <a:rPr kumimoji="0" lang="fr-FR" dirty="0" smtClean="0"/>
+              <a:t>, </a:t>
+            </a:r>
+            <a:r>
+              <a:rPr kumimoji="0" lang="fr-FR" dirty="0" err="1" smtClean="0"/>
+              <a:t>altessie</a:t>
+            </a:r>
+            <a:r>
+              <a:rPr kumimoji="0" lang="fr-FR" dirty="0" smtClean="0"/>
+              <a:t> &amp; </a:t>
+            </a:r>
+            <a:r>
+              <a:rPr kumimoji="0" lang="fr-FR" dirty="0" err="1" smtClean="0"/>
+              <a:t>mtesta</a:t>
+            </a:r>
+            <a:endParaRPr kumimoji="0" lang="fr-FR" dirty="0"/>
           </a:p>
         </p:txBody>
       </p:sp>
@@ -8593,11 +8662,7 @@
             </a:r>
             <a:r>
               <a:rPr lang="fr-FR" dirty="0" smtClean="0"/>
-              <a:t> </a:t>
-            </a:r>
-            <a:r>
-              <a:rPr lang="fr-FR" dirty="0" smtClean="0"/>
-              <a:t>constant </a:t>
+              <a:t> constant </a:t>
             </a:r>
             <a:r>
               <a:rPr lang="fr-FR" dirty="0" err="1" smtClean="0"/>
@@ -8619,11 +8684,7 @@
             </a:r>
             <a:r>
               <a:rPr lang="en-US" dirty="0" smtClean="0"/>
-              <a:t>ore </a:t>
-            </a:r>
-            <a:r>
-              <a:rPr lang="en-US" dirty="0" smtClean="0"/>
-              <a:t>UAVs </a:t>
+              <a:t>ore UAVs </a:t>
             </a:r>
             <a:r>
               <a:rPr lang="en-US" dirty="0"/>
@@ -8923,8 +8984,8 @@
         </p:nvSpPr>
         <p:spPr>
           <a:xfrm>
-            <a:off x="3419872" y="2276872"/>
-            <a:ext cx="4968552" cy="369332"/>
+            <a:off x="3203848" y="2276872"/>
+            <a:ext cx="5635352" cy="2308324"/>
           </a:xfrm>
           <a:prstGeom prst="rect">
             <a:avLst/>
@@ -8937,21 +8998,87 @@
           </a:bodyPr>
           <a:lstStyle/>
           <a:p>
+            <a:pPr marL="285750" indent="-285750">
+              <a:buFont typeface="Arial" pitchFamily="34" charset="0"/>
+              <a:buChar char="•"/>
+            </a:pPr>
+            <a:r>
+              <a:rPr lang="fr-FR" dirty="0" smtClean="0"/>
+              <a:t>Good model  for scan </a:t>
+            </a:r>
             <a:r>
               <a:rPr lang="fr-FR" dirty="0" err="1" smtClean="0"/>
-              <a:t>Pheromone</a:t>
+              <a:t>coverage</a:t>
+            </a:r>
+            <a:r>
+              <a:rPr lang="fr-FR" dirty="0" smtClean="0"/>
+              <a:t> and  reconnaissance scenario …</a:t>
+            </a:r>
+          </a:p>
+          <a:p>
+            <a:pPr marL="285750" indent="-285750">
+              <a:buFont typeface="Arial" pitchFamily="34" charset="0"/>
+              <a:buChar char="•"/>
+            </a:pPr>
+            <a:endParaRPr lang="fr-FR" dirty="0" smtClean="0"/>
+          </a:p>
+          <a:p>
+            <a:pPr marL="285750" indent="-285750">
+              <a:buFont typeface="Arial" pitchFamily="34" charset="0"/>
+              <a:buChar char="•"/>
+            </a:pPr>
+            <a:r>
+              <a:rPr lang="fr-FR" dirty="0" smtClean="0"/>
+              <a:t>… But </a:t>
+            </a:r>
+            <a:r>
+              <a:rPr lang="fr-FR" dirty="0" err="1" smtClean="0"/>
+              <a:t>coverage</a:t>
+            </a:r>
+            <a:r>
+              <a:rPr lang="fr-FR" dirty="0" smtClean="0"/>
+              <a:t> and </a:t>
+            </a:r>
+            <a:r>
+              <a:rPr lang="fr-FR" dirty="0" err="1" smtClean="0"/>
+              <a:t>connectivity</a:t>
+            </a:r>
+            <a:r>
+              <a:rPr lang="fr-FR" dirty="0" smtClean="0"/>
+              <a:t> of communications are </a:t>
+            </a:r>
+            <a:r>
+              <a:rPr lang="fr-FR" dirty="0" err="1" smtClean="0"/>
+              <a:t>two</a:t>
             </a:r>
             <a:r>
               <a:rPr lang="fr-FR" dirty="0" smtClean="0"/>
               <a:t> </a:t>
             </a:r>
             <a:r>
+              <a:rPr lang="fr-FR" dirty="0" err="1" smtClean="0"/>
+              <a:t>conflicting</a:t>
+            </a:r>
+            <a:r>
               <a:rPr lang="fr-FR" dirty="0" smtClean="0"/>
-              <a:t>model good scan </a:t>
-            </a:r>
+              <a:t> objectives.</a:t>
+            </a:r>
+          </a:p>
+          <a:p>
+            <a:pPr marL="285750" indent="-285750">
+              <a:buFont typeface="Arial" pitchFamily="34" charset="0"/>
+              <a:buChar char="•"/>
+            </a:pPr>
+            <a:endParaRPr lang="fr-FR" dirty="0" smtClean="0"/>
+          </a:p>
+          <a:p>
+            <a:pPr marL="285750" indent="-285750">
+              <a:buFont typeface="Arial" pitchFamily="34" charset="0"/>
+              <a:buChar char="•"/>
+            </a:pPr>
             <a:r>
               <a:rPr lang="fr-FR" dirty="0" err="1" smtClean="0"/>
-              <a:t>bad</a:t>
+              <a:t>Possiblity</a:t>
             </a:r>
             <a:r>
               <a:rPr lang="fr-FR" dirty="0" smtClean="0"/>
@@ -8959,7 +9086,51 @@
             </a:r>
             <a:r>
               <a:rPr lang="fr-FR" dirty="0" err="1" smtClean="0"/>
-              <a:t>connectivity</a:t>
+              <a:t>amelioration</a:t>
+            </a:r>
+            <a:r>
+              <a:rPr lang="fr-FR" dirty="0" smtClean="0"/>
+              <a:t> </a:t>
+            </a:r>
+            <a:r>
+              <a:rPr lang="fr-FR" dirty="0" err="1" smtClean="0"/>
+              <a:t>is</a:t>
+            </a:r>
+            <a:r>
+              <a:rPr lang="fr-FR" dirty="0" smtClean="0"/>
+              <a:t> to </a:t>
+            </a:r>
+            <a:r>
+              <a:rPr lang="fr-FR" dirty="0" err="1" smtClean="0"/>
+              <a:t>temporary</a:t>
+            </a:r>
+            <a:r>
+              <a:rPr lang="fr-FR" dirty="0" smtClean="0"/>
+              <a:t> </a:t>
+            </a:r>
+            <a:r>
+              <a:rPr lang="fr-FR" dirty="0" err="1" smtClean="0"/>
+              <a:t>storage</a:t>
+            </a:r>
+            <a:r>
+              <a:rPr lang="fr-FR" dirty="0" smtClean="0"/>
+              <a:t> data and relax the </a:t>
+            </a:r>
+            <a:r>
+              <a:rPr lang="fr-FR" dirty="0" err="1" smtClean="0"/>
+              <a:t>limited</a:t>
+            </a:r>
+            <a:r>
+              <a:rPr lang="fr-FR" dirty="0" smtClean="0"/>
+              <a:t> </a:t>
+            </a:r>
+            <a:r>
+              <a:rPr lang="fr-FR" dirty="0" err="1" smtClean="0"/>
+              <a:t>bandwidth</a:t>
+            </a:r>
+            <a:r>
+              <a:rPr lang="fr-FR" dirty="0"/>
+              <a:t>.</a:t>
             </a:r>
             <a:endParaRPr lang="fr-FR" dirty="0" smtClean="0"/>
           </a:p>
@@ -8967,68 +9138,135 @@
       </p:sp>
       <p:sp>
         <p:nvSpPr>
-          <p:cNvPr id="9" name="ZoneTexte 8"/>
-          <p:cNvSpPr txBox="1"/>
+          <p:cNvPr id="3" name="Espace réservé du pied de page 2"/>
+          <p:cNvSpPr>
+            <a:spLocks noGrp="1"/>
+          </p:cNvSpPr>
+          <p:nvPr>
+            <p:ph type="ftr" sz="quarter" idx="11"/>
+          </p:nvPr>
+        </p:nvSpPr>
+        <p:spPr/>
+        <p:txBody>
+          <a:bodyPr/>
+          <a:lstStyle/>
+          <a:p>
+            <a:r>
+              <a:rPr kumimoji="0" lang="fr-FR" smtClean="0"/>
+              <a:t>Master 2 – Computer Science – Authors : fcastagn, jetcheve, hpaziews, altessie &amp; mtesta</a:t>
+            </a:r>
+            <a:endParaRPr kumimoji="0" lang="fr-FR"/>
+          </a:p>
+        </p:txBody>
+      </p:sp>
+      <p:pic>
+        <p:nvPicPr>
+          <p:cNvPr id="1026" name="Picture 2"/>
+          <p:cNvPicPr>
+            <a:picLocks noChangeAspect="1" noChangeArrowheads="1"/>
+          </p:cNvPicPr>
           <p:nvPr/>
-        </p:nvSpPr>
-        <p:spPr>
+        </p:nvPicPr>
+        <p:blipFill>
+          <a:blip r:embed="rId5">
+            <a:extLst>
+              <a:ext uri="{28A0092B-C50C-407E-A947-70E740481C1C}">
+                <a14:useLocalDpi xmlns:a14="http://schemas.microsoft.com/office/drawing/2010/main" val="0"/>
+              </a:ext>
+            </a:extLst>
+          </a:blip>
+          <a:srcRect/>
+          <a:stretch>
+            <a:fillRect/>
+          </a:stretch>
+        </p:blipFill>
+        <p:spPr bwMode="auto">
           <a:xfrm>
-            <a:off x="6300192" y="5733256"/>
-            <a:ext cx="1956792" cy="369332"/>
+            <a:off x="398773" y="4293096"/>
+            <a:ext cx="2314575" cy="1971675"/>
           </a:xfrm>
           <a:prstGeom prst="rect">
             <a:avLst/>
           </a:prstGeom>
           <a:noFill/>
+          <a:ln>
+            <a:noFill/>
+          </a:ln>
+          <a:extLst>
+            <a:ext uri="{909E8E84-426E-40DD-AFC4-6F175D3DCCD1}">
+              <a14:hiddenFill xmlns:a14="http://schemas.microsoft.com/office/drawing/2010/main">
+                <a:solidFill>
+                  <a:schemeClr val="accent1"/>
+                </a:solidFill>
+              </a14:hiddenFill>
+            </a:ext>
+            <a:ext uri="{91240B29-F687-4F45-9708-019B960494DF}">
+              <a14:hiddenLine xmlns:a14="http://schemas.microsoft.com/office/drawing/2010/main" w="9525">
+                <a:solidFill>
+                  <a:schemeClr val="tx1"/>
+                </a:solidFill>
+                <a:miter lim="800000"/>
+                <a:headEnd/>
+                <a:tailEnd/>
+              </a14:hiddenLine>
+            </a:ext>
+          </a:extLst>
         </p:spPr>
-        <p:txBody>
-          <a:bodyPr wrap="square" rtlCol="0">
-            <a:spAutoFit/>
-          </a:bodyPr>
-          <a:lstStyle/>
-          <a:p>
-            <a:r>
-              <a:rPr lang="fr-FR" dirty="0" smtClean="0"/>
-              <a:t>To Be </a:t>
-            </a:r>
-            <a:r>
-              <a:rPr lang="fr-FR" dirty="0" err="1" smtClean="0"/>
-              <a:t>Continued</a:t>
-            </a:r>
-            <a:r>
-              <a:rPr lang="fr-FR" dirty="0"/>
-              <a:t> </a:t>
-            </a:r>
-            <a:r>
-              <a:rPr lang="fr-FR" dirty="0" smtClean="0"/>
-              <a:t>…</a:t>
-            </a:r>
-          </a:p>
-        </p:txBody>
-      </p:sp>
-      <p:sp>
-        <p:nvSpPr>
-          <p:cNvPr id="3" name="Espace réservé du pied de page 2"/>
-          <p:cNvSpPr>
-            <a:spLocks noGrp="1"/>
-          </p:cNvSpPr>
-          <p:nvPr>
-            <p:ph type="ftr" sz="quarter" idx="11"/>
-          </p:nvPr>
-        </p:nvSpPr>
-        <p:spPr/>
-        <p:txBody>
-          <a:bodyPr/>
-          <a:lstStyle/>
-          <a:p>
-            <a:r>
-              <a:rPr kumimoji="0" lang="fr-FR" smtClean="0"/>
-              <a:t>Master 2 – Computer Science – Authors : fcastagn, jetcheve, hpaziews, altessie &amp; mtesta</a:t>
-            </a:r>
-            <a:endParaRPr kumimoji="0" lang="fr-FR"/>
-          </a:p>
-        </p:txBody>
-      </p:sp>
+      </p:pic>
+      <p:pic>
+        <p:nvPicPr>
+          <p:cNvPr id="1030" name="Picture 6"/>
+          <p:cNvPicPr>
+            <a:picLocks noChangeAspect="1" noChangeArrowheads="1"/>
+          </p:cNvPicPr>
+          <p:nvPr/>
+        </p:nvPicPr>
+        <p:blipFill>
+          <a:blip r:embed="rId6" cstate="email">
+            <a:extLst>
+              <a:ext uri="{28A0092B-C50C-407E-A947-70E740481C1C}">
+                <a14:useLocalDpi xmlns:a14="http://schemas.microsoft.com/office/drawing/2010/main" val="0"/>
+              </a:ext>
+            </a:extLst>
+          </a:blip>
+          <a:srcRect/>
+          <a:stretch>
+            <a:fillRect/>
+          </a:stretch>
+        </p:blipFill>
+        <p:spPr bwMode="auto">
+          <a:xfrm>
+            <a:off x="6481620" y="269632"/>
+            <a:ext cx="2357580" cy="1728192"/>
+          </a:xfrm>
+          <a:prstGeom prst="rect">
+            <a:avLst/>
+          </a:prstGeom>
+          <a:noFill/>
+          <a:ln>
+            <a:noFill/>
+          </a:ln>
+          <a:extLst>
+            <a:ext uri="{909E8E84-426E-40DD-AFC4-6F175D3DCCD1}">
+              <a14:hiddenFill xmlns:a14="http://schemas.microsoft.com/office/drawing/2010/main">
+                <a:solidFill>
+                  <a:schemeClr val="accent1"/>
+                </a:solidFill>
+              </a14:hiddenFill>
+            </a:ext>
+            <a:ext uri="{91240B29-F687-4F45-9708-019B960494DF}">
+              <a14:hiddenLine xmlns:a14="http://schemas.microsoft.com/office/drawing/2010/main" w="9525">
+                <a:solidFill>
+                  <a:schemeClr val="tx1"/>
+                </a:solidFill>
+                <a:miter lim="800000"/>
+                <a:headEnd/>
+                <a:tailEnd/>
+              </a14:hiddenLine>
+            </a:ext>
+          </a:extLst>
+        </p:spPr>
+      </p:pic>
     </p:spTree>
   </p:cSld>
   <p:clrMapOvr>
@@ -9066,7 +9304,57 @@
       </p:grpSpPr>
       <p:sp>
         <p:nvSpPr>
-          <p:cNvPr id="4" name="Espace réservé du numéro de diapositive 3"/>
+          <p:cNvPr id="620546" name="Rectangle 2"/>
+          <p:cNvSpPr>
+            <a:spLocks noGrp="1" noChangeArrowheads="1"/>
+          </p:cNvSpPr>
+          <p:nvPr>
+            <p:ph type="title"/>
+            <p:custDataLst>
+              <p:tags r:id="rId2"/>
+            </p:custDataLst>
+          </p:nvPr>
+        </p:nvSpPr>
+        <p:spPr/>
+        <p:txBody>
+          <a:bodyPr>
+            <a:normAutofit/>
+          </a:bodyPr>
+          <a:lstStyle/>
+          <a:p>
+            <a:pPr>
+              <a:defRPr lang="fr-FR"/>
+            </a:pPr>
+            <a:r>
+              <a:rPr lang="fr-FR" dirty="0" smtClean="0"/>
+              <a:t>Do </a:t>
+            </a:r>
+            <a:r>
+              <a:rPr lang="fr-FR" dirty="0" err="1" smtClean="0"/>
+              <a:t>you</a:t>
+            </a:r>
+            <a:r>
+              <a:rPr lang="fr-FR" dirty="0" smtClean="0"/>
+              <a:t> have </a:t>
+            </a:r>
+            <a:r>
+              <a:rPr lang="fr-FR" dirty="0" err="1" smtClean="0"/>
+              <a:t>any</a:t>
+            </a:r>
+            <a:r>
+              <a:rPr lang="fr-FR" dirty="0" smtClean="0"/>
+              <a:t> questions</a:t>
+            </a:r>
+            <a:r>
+              <a:rPr lang="fr-FR" dirty="0"/>
+              <a:t> ?</a:t>
+            </a:r>
+          </a:p>
+        </p:txBody>
+      </p:sp>
+      <p:sp>
+        <p:nvSpPr>
+          <p:cNvPr id="2" name="Espace réservé du numéro de diapositive 1"/>
           <p:cNvSpPr>
             <a:spLocks noGrp="1"/>
           </p:cNvSpPr>
@@ -9090,7 +9378,7 @@
       </p:sp>
       <p:sp>
         <p:nvSpPr>
-          <p:cNvPr id="5" name="Espace réservé du pied de page 4"/>
+          <p:cNvPr id="3" name="Espace réservé du pied de page 2"/>
           <p:cNvSpPr>
             <a:spLocks noGrp="1"/>
           </p:cNvSpPr>
@@ -9111,26 +9399,123 @@
           </a:p>
         </p:txBody>
       </p:sp>
-      <p:sp>
-        <p:nvSpPr>
-          <p:cNvPr id="6" name="Titre 5"/>
-          <p:cNvSpPr>
-            <a:spLocks noGrp="1"/>
-          </p:cNvSpPr>
-          <p:nvPr>
-            <p:ph type="title"/>
-          </p:nvPr>
-        </p:nvSpPr>
-        <p:spPr/>
-        <p:txBody>
-          <a:bodyPr/>
-          <a:lstStyle/>
-          <a:p>
-            <a:endParaRPr lang="fr-FR" dirty="0"/>
-          </a:p>
-        </p:txBody>
-      </p:sp>
+      <p:pic>
+        <p:nvPicPr>
+          <p:cNvPr id="3074" name="Picture 2"/>
+          <p:cNvPicPr>
+            <a:picLocks noChangeAspect="1" noChangeArrowheads="1"/>
+          </p:cNvPicPr>
+          <p:nvPr/>
+        </p:nvPicPr>
+        <p:blipFill>
+          <a:blip r:embed="rId5">
+            <a:extLst>
+              <a:ext uri="{28A0092B-C50C-407E-A947-70E740481C1C}">
+                <a14:useLocalDpi xmlns:a14="http://schemas.microsoft.com/office/drawing/2010/main" val="0"/>
+              </a:ext>
+            </a:extLst>
+          </a:blip>
+          <a:srcRect/>
+          <a:stretch>
+            <a:fillRect/>
+          </a:stretch>
+        </p:blipFill>
+        <p:spPr bwMode="auto">
+          <a:xfrm>
+            <a:off x="323528" y="4324350"/>
+            <a:ext cx="2562225" cy="1790700"/>
+          </a:xfrm>
+          <a:prstGeom prst="rect">
+            <a:avLst/>
+          </a:prstGeom>
+          <a:noFill/>
+          <a:ln>
+            <a:noFill/>
+          </a:ln>
+          <a:extLst>
+            <a:ext uri="{909E8E84-426E-40DD-AFC4-6F175D3DCCD1}">
+              <a14:hiddenFill xmlns:a14="http://schemas.microsoft.com/office/drawing/2010/main">
+                <a:solidFill>
+                  <a:schemeClr val="accent1"/>
+                </a:solidFill>
+              </a14:hiddenFill>
+            </a:ext>
+            <a:ext uri="{91240B29-F687-4F45-9708-019B960494DF}">
+              <a14:hiddenLine xmlns:a14="http://schemas.microsoft.com/office/drawing/2010/main" w="9525">
+                <a:solidFill>
+                  <a:schemeClr val="tx1"/>
+                </a:solidFill>
+                <a:miter lim="800000"/>
+                <a:headEnd/>
+                <a:tailEnd/>
+              </a14:hiddenLine>
+            </a:ext>
+          </a:extLst>
+        </p:spPr>
+      </p:pic>
+      <p:pic>
+        <p:nvPicPr>
+          <p:cNvPr id="2050" name="Picture 2"/>
+          <p:cNvPicPr>
+            <a:picLocks noChangeAspect="1" noChangeArrowheads="1"/>
+          </p:cNvPicPr>
+          <p:nvPr/>
+        </p:nvPicPr>
+        <p:blipFill>
+          <a:blip r:embed="rId6" cstate="email">
+            <a:extLst>
+              <a:ext uri="{28A0092B-C50C-407E-A947-70E740481C1C}">
+                <a14:useLocalDpi xmlns:a14="http://schemas.microsoft.com/office/drawing/2010/main" val="0"/>
+              </a:ext>
+            </a:extLst>
+          </a:blip>
+          <a:srcRect/>
+          <a:stretch>
+            <a:fillRect/>
+          </a:stretch>
+        </p:blipFill>
+        <p:spPr bwMode="auto">
+          <a:xfrm>
+            <a:off x="4499992" y="836712"/>
+            <a:ext cx="3552119" cy="1990527"/>
+          </a:xfrm>
+          <a:prstGeom prst="rect">
+            <a:avLst/>
+          </a:prstGeom>
+          <a:noFill/>
+          <a:ln>
+            <a:noFill/>
+          </a:ln>
+          <a:extLst>
+            <a:ext uri="{909E8E84-426E-40DD-AFC4-6F175D3DCCD1}">
+              <a14:hiddenFill xmlns:a14="http://schemas.microsoft.com/office/drawing/2010/main">
+                <a:solidFill>
+                  <a:schemeClr val="accent1"/>
+                </a:solidFill>
+              </a14:hiddenFill>
+            </a:ext>
+            <a:ext uri="{91240B29-F687-4F45-9708-019B960494DF}">
+              <a14:hiddenLine xmlns:a14="http://schemas.microsoft.com/office/drawing/2010/main" w="9525">
+                <a:solidFill>
+                  <a:schemeClr val="tx1"/>
+                </a:solidFill>
+                <a:miter lim="800000"/>
+                <a:headEnd/>
+                <a:tailEnd/>
+              </a14:hiddenLine>
+            </a:ext>
+          </a:extLst>
+        </p:spPr>
+      </p:pic>
     </p:spTree>
+    <p:custDataLst>
+      <p:tags r:id="rId1"/>
+    </p:custDataLst>
+    <p:extLst>
+      <p:ext uri="{BB962C8B-B14F-4D97-AF65-F5344CB8AC3E}">
+        <p14:creationId xmlns:p14="http://schemas.microsoft.com/office/powerpoint/2010/main" val="3482780081"/>
+      </p:ext>
+    </p:extLst>
   </p:cSld>
   <p:clrMapOvr>
     <a:masterClrMapping/>
@@ -9167,6 +9552,107 @@
       </p:grpSpPr>
       <p:sp>
         <p:nvSpPr>
+          <p:cNvPr id="4" name="Espace réservé du numéro de diapositive 3"/>
+          <p:cNvSpPr>
+            <a:spLocks noGrp="1"/>
+          </p:cNvSpPr>
+          <p:nvPr>
+            <p:ph type="sldNum" sz="quarter" idx="12"/>
+          </p:nvPr>
+        </p:nvSpPr>
+        <p:spPr/>
+        <p:txBody>
+          <a:bodyPr/>
+          <a:lstStyle/>
+          <a:p>
+            <a:fld id="{33D6E5A2-EC83-451F-A719-9AC1370DD5CF}" type="slidenum">
+              <a:rPr lang="fr-FR" smtClean="0"/>
+              <a:pPr/>
+              <a:t>16</a:t>
+            </a:fld>
+            <a:endParaRPr kumimoji="0" lang="fr-FR"/>
+          </a:p>
+        </p:txBody>
+      </p:sp>
+      <p:sp>
+        <p:nvSpPr>
+          <p:cNvPr id="5" name="Espace réservé du pied de page 4"/>
+          <p:cNvSpPr>
+            <a:spLocks noGrp="1"/>
+          </p:cNvSpPr>
+          <p:nvPr>
+            <p:ph type="ftr" sz="quarter" idx="11"/>
+          </p:nvPr>
+        </p:nvSpPr>
+        <p:spPr/>
+        <p:txBody>
+          <a:bodyPr/>
+          <a:lstStyle/>
+          <a:p>
+            <a:r>
+              <a:rPr kumimoji="0" lang="fr-FR" smtClean="0"/>
+              <a:t>Master 2 – Computer Science – Authors : fcastagn, jetcheve, hpaziews, altessie &amp; mtesta</a:t>
+            </a:r>
+            <a:endParaRPr kumimoji="0" lang="fr-FR"/>
+          </a:p>
+        </p:txBody>
+      </p:sp>
+      <p:sp>
+        <p:nvSpPr>
+          <p:cNvPr id="6" name="Titre 5"/>
+          <p:cNvSpPr>
+            <a:spLocks noGrp="1"/>
+          </p:cNvSpPr>
+          <p:nvPr>
+            <p:ph type="title"/>
+          </p:nvPr>
+        </p:nvSpPr>
+        <p:spPr/>
+        <p:txBody>
+          <a:bodyPr/>
+          <a:lstStyle/>
+          <a:p>
+            <a:endParaRPr lang="fr-FR" dirty="0"/>
+          </a:p>
+        </p:txBody>
+      </p:sp>
+    </p:spTree>
+  </p:cSld>
+  <p:clrMapOvr>
+    <a:masterClrMapping/>
+  </p:clrMapOvr>
+  <p:transition>
+    <p:fade/>
+  </p:transition>
+  <p:timing>
+    <p:tnLst>
+      <p:par>
+        <p:cTn id="1" dur="indefinite" restart="never" nodeType="tmRoot"/>
+      </p:par>
+    </p:tnLst>
+  </p:timing>
+</p:sld>
+</file>
+
+<file path=ppt/slides/slide17.xml><?xml version="1.0" encoding="utf-8"?>
+<p:sld xmlns:a="http://schemas.openxmlformats.org/drawingml/2006/main" xmlns:r="http://schemas.openxmlformats.org/officeDocument/2006/relationships" xmlns:p="http://schemas.openxmlformats.org/presentationml/2006/main">
+  <p:cSld>
+    <p:spTree>
+      <p:nvGrpSpPr>
+        <p:cNvPr id="1" name=""/>
+        <p:cNvGrpSpPr/>
+        <p:nvPr/>
+      </p:nvGrpSpPr>
+      <p:grpSpPr>
+        <a:xfrm>
+          <a:off x="0" y="0"/>
+          <a:ext cx="0" cy="0"/>
+          <a:chOff x="0" y="0"/>
+          <a:chExt cx="0" cy="0"/>
+        </a:xfrm>
+      </p:grpSpPr>
+      <p:sp>
+        <p:nvSpPr>
           <p:cNvPr id="2" name="Title 1"/>
           <p:cNvSpPr>
             <a:spLocks noGrp="1"/>
@@ -9207,7 +9693,7 @@
             <a:fld id="{33D6E5A2-EC83-451F-A719-9AC1370DD5CF}" type="slidenum">
               <a:rPr lang="fr-FR" smtClean="0"/>
               <a:pPr/>
-              <a:t>16</a:t>
+              <a:t>17</a:t>
             </a:fld>
             <a:endParaRPr kumimoji="0" lang="fr-FR"/>
           </a:p>
@@ -9263,129 +9749,6 @@
 </p:sld>
 </file>
 
-<file path=ppt/slides/slide17.xml><?xml version="1.0" encoding="utf-8"?>
-<p:sld xmlns:a="http://schemas.openxmlformats.org/drawingml/2006/main" xmlns:r="http://schemas.openxmlformats.org/officeDocument/2006/relationships" xmlns:p="http://schemas.openxmlformats.org/presentationml/2006/main">
-  <p:cSld>
-    <p:spTree>
-      <p:nvGrpSpPr>
-        <p:cNvPr id="1" name=""/>
-        <p:cNvGrpSpPr/>
-        <p:nvPr/>
-      </p:nvGrpSpPr>
-      <p:grpSpPr>
-        <a:xfrm>
-          <a:off x="0" y="0"/>
-          <a:ext cx="0" cy="0"/>
-          <a:chOff x="0" y="0"/>
-          <a:chExt cx="0" cy="0"/>
-        </a:xfrm>
-      </p:grpSpPr>
-      <p:sp>
-        <p:nvSpPr>
-          <p:cNvPr id="7" name="Espace réservé du numéro de diapositive 6"/>
-          <p:cNvSpPr>
-            <a:spLocks noGrp="1"/>
-          </p:cNvSpPr>
-          <p:nvPr>
-            <p:ph type="sldNum" sz="quarter" idx="12"/>
-          </p:nvPr>
-        </p:nvSpPr>
-        <p:spPr/>
-        <p:txBody>
-          <a:bodyPr/>
-          <a:lstStyle/>
-          <a:p>
-            <a:fld id="{33D6E5A2-EC83-451F-A719-9AC1370DD5CF}" type="slidenum">
-              <a:rPr lang="fr-FR" smtClean="0"/>
-              <a:pPr/>
-              <a:t>17</a:t>
-            </a:fld>
-            <a:endParaRPr kumimoji="0" lang="fr-FR"/>
-          </a:p>
-        </p:txBody>
-      </p:sp>
-      <p:sp>
-        <p:nvSpPr>
-          <p:cNvPr id="8" name="Espace réservé du pied de page 7"/>
-          <p:cNvSpPr>
-            <a:spLocks noGrp="1"/>
-          </p:cNvSpPr>
-          <p:nvPr>
-            <p:ph type="ftr" sz="quarter" idx="11"/>
-          </p:nvPr>
-        </p:nvSpPr>
-        <p:spPr/>
-        <p:txBody>
-          <a:bodyPr/>
-          <a:lstStyle/>
-          <a:p>
-            <a:r>
-              <a:rPr kumimoji="0" lang="fr-FR" smtClean="0"/>
-              <a:t>Master 2 – Computer Science – Authors : fcastagn, jetcheve, hpaziews, altessie &amp; mtesta</a:t>
-            </a:r>
-            <a:endParaRPr kumimoji="0" lang="fr-FR"/>
-          </a:p>
-        </p:txBody>
-      </p:sp>
-      <p:sp>
-        <p:nvSpPr>
-          <p:cNvPr id="9" name="Titre 8"/>
-          <p:cNvSpPr>
-            <a:spLocks noGrp="1"/>
-          </p:cNvSpPr>
-          <p:nvPr>
-            <p:ph type="title"/>
-          </p:nvPr>
-        </p:nvSpPr>
-        <p:spPr/>
-        <p:txBody>
-          <a:bodyPr/>
-          <a:lstStyle/>
-          <a:p>
-            <a:endParaRPr lang="fr-FR"/>
-          </a:p>
-        </p:txBody>
-      </p:sp>
-      <p:sp>
-        <p:nvSpPr>
-          <p:cNvPr id="10" name="Espace réservé du contenu 9"/>
-          <p:cNvSpPr>
-            <a:spLocks noGrp="1"/>
-          </p:cNvSpPr>
-          <p:nvPr>
-            <p:ph idx="1"/>
-          </p:nvPr>
-        </p:nvSpPr>
-        <p:spPr/>
-        <p:txBody>
-          <a:bodyPr/>
-          <a:lstStyle/>
-          <a:p>
-            <a:endParaRPr lang="fr-FR"/>
-          </a:p>
-        </p:txBody>
-      </p:sp>
-    </p:spTree>
-    <p:custDataLst>
-      <p:tags r:id="rId1"/>
-    </p:custDataLst>
-  </p:cSld>
-  <p:clrMapOvr>
-    <a:masterClrMapping/>
-  </p:clrMapOvr>
-  <p:transition spd="slow">
-    <p:wipe dir="d"/>
-  </p:transition>
-  <p:timing>
-    <p:tnLst>
-      <p:par>
-        <p:cTn id="1" dur="indefinite" restart="never" nodeType="tmRoot"/>
-      </p:par>
-    </p:tnLst>
-  </p:timing>
-</p:sld>
-</file>
-
 <file path=ppt/slides/slide18.xml><?xml version="1.0" encoding="utf-8"?>
 <p:sld xmlns:a="http://schemas.openxmlformats.org/drawingml/2006/main" xmlns:r="http://schemas.openxmlformats.org/officeDocument/2006/relationships" xmlns:p="http://schemas.openxmlformats.org/presentationml/2006/main">
   <p:cSld>
@@ -9405,135 +9768,7 @@
       </p:grpSpPr>
       <p:sp>
         <p:nvSpPr>
-          <p:cNvPr id="618498" name="Rectangle 2"/>
-          <p:cNvSpPr>
-            <a:spLocks noGrp="1" noChangeArrowheads="1"/>
-          </p:cNvSpPr>
-          <p:nvPr>
-            <p:ph type="title"/>
-            <p:custDataLst>
-              <p:tags r:id="rId2"/>
-            </p:custDataLst>
-          </p:nvPr>
-        </p:nvSpPr>
-        <p:spPr/>
-        <p:txBody>
-          <a:bodyPr/>
-          <a:lstStyle/>
-          <a:p>
-            <a:pPr>
-              <a:defRPr lang="fr-FR"/>
-            </a:pPr>
-            <a:r>
-              <a:rPr lang="fr-FR"/>
-              <a:t>Ressources</a:t>
-            </a:r>
-          </a:p>
-        </p:txBody>
-      </p:sp>
-      <p:sp>
-        <p:nvSpPr>
-          <p:cNvPr id="618499" name="Rectangle 3"/>
-          <p:cNvSpPr>
-            <a:spLocks noGrp="1" noChangeArrowheads="1"/>
-          </p:cNvSpPr>
-          <p:nvPr>
-            <p:ph type="body" idx="1"/>
-            <p:custDataLst>
-              <p:tags r:id="rId3"/>
-            </p:custDataLst>
-          </p:nvPr>
-        </p:nvSpPr>
-        <p:spPr/>
-        <p:txBody>
-          <a:bodyPr>
-            <a:normAutofit fontScale="92500" lnSpcReduction="10000"/>
-          </a:bodyPr>
-          <a:lstStyle/>
-          <a:p>
-            <a:pPr>
-              <a:defRPr lang="fr-FR"/>
-            </a:pPr>
-            <a:r>
-              <a:rPr lang="fr-FR"/>
-              <a:t>&lt;Texte du site intranet ici&gt;</a:t>
-            </a:r>
-            <a:r>
-              <a:t/>
-            </a:r>
-            <a:br/>
-            <a:r>
-              <a:rPr lang="fr-FR" u="sng">
-                <a:solidFill>
-                  <a:schemeClr val="tx2"/>
-                </a:solidFill>
-              </a:rPr>
-              <a:t>&lt;lien hypertexte ici&gt;</a:t>
-            </a:r>
-            <a:endParaRPr lang="fr-FR" u="sng"/>
-          </a:p>
-          <a:p>
-            <a:pPr>
-              <a:defRPr lang="fr-FR"/>
-            </a:pPr>
-            <a:endParaRPr lang="fr-FR"/>
-          </a:p>
-          <a:p>
-            <a:pPr>
-              <a:defRPr lang="fr-FR"/>
-            </a:pPr>
-            <a:r>
-              <a:rPr lang="fr-FR"/>
-              <a:t>&lt;Texte de support de lecture supplémentaire ici&gt;</a:t>
-            </a:r>
-            <a:r>
-              <a:t/>
-            </a:r>
-            <a:br/>
-            <a:r>
-              <a:rPr lang="fr-FR" u="sng">
-                <a:solidFill>
-                  <a:schemeClr val="tx2"/>
-                </a:solidFill>
-              </a:rPr>
-              <a:t>&lt;lien hypertexte ici&gt;</a:t>
-            </a:r>
-            <a:endParaRPr lang="fr-FR"/>
-          </a:p>
-          <a:p>
-            <a:pPr>
-              <a:buFontTx/>
-              <a:buNone/>
-              <a:defRPr lang="fr-FR"/>
-            </a:pPr>
-            <a:endParaRPr lang="fr-FR"/>
-          </a:p>
-          <a:p>
-            <a:pPr>
-              <a:defRPr lang="fr-FR"/>
-            </a:pPr>
-            <a:r>
-              <a:rPr lang="fr-FR"/>
-              <a:t>Cet ensemble de diapositives et ressources connexes :</a:t>
-            </a:r>
-            <a:r>
-              <a:t/>
-            </a:r>
-            <a:br/>
-            <a:r>
-              <a:rPr lang="fr-FR" u="sng">
-                <a:solidFill>
-                  <a:schemeClr val="tx2"/>
-                </a:solidFill>
-              </a:rPr>
-              <a:t>&lt;lien hypertexte ici&gt;</a:t>
-            </a:r>
-          </a:p>
-        </p:txBody>
-      </p:sp>
-      <p:sp>
-        <p:nvSpPr>
-          <p:cNvPr id="2" name="Espace réservé du numéro de diapositive 1"/>
+          <p:cNvPr id="7" name="Espace réservé du numéro de diapositive 6"/>
           <p:cNvSpPr>
             <a:spLocks noGrp="1"/>
           </p:cNvSpPr>
@@ -9557,7 +9792,7 @@
       </p:sp>
       <p:sp>
         <p:nvSpPr>
-          <p:cNvPr id="3" name="Espace réservé du pied de page 2"/>
+          <p:cNvPr id="8" name="Espace réservé du pied de page 7"/>
           <p:cNvSpPr>
             <a:spLocks noGrp="1"/>
           </p:cNvSpPr>
@@ -9575,6 +9810,44 @@
               <a:t>Master 2 – Computer Science – Authors : fcastagn, jetcheve, hpaziews, altessie &amp; mtesta</a:t>
             </a:r>
             <a:endParaRPr kumimoji="0" lang="fr-FR"/>
+          </a:p>
+        </p:txBody>
+      </p:sp>
+      <p:sp>
+        <p:nvSpPr>
+          <p:cNvPr id="9" name="Titre 8"/>
+          <p:cNvSpPr>
+            <a:spLocks noGrp="1"/>
+          </p:cNvSpPr>
+          <p:nvPr>
+            <p:ph type="title"/>
+          </p:nvPr>
+        </p:nvSpPr>
+        <p:spPr/>
+        <p:txBody>
+          <a:bodyPr/>
+          <a:lstStyle/>
+          <a:p>
+            <a:endParaRPr lang="fr-FR"/>
+          </a:p>
+        </p:txBody>
+      </p:sp>
+      <p:sp>
+        <p:nvSpPr>
+          <p:cNvPr id="10" name="Espace réservé du contenu 9"/>
+          <p:cNvSpPr>
+            <a:spLocks noGrp="1"/>
+          </p:cNvSpPr>
+          <p:nvPr>
+            <p:ph idx="1"/>
+          </p:nvPr>
+        </p:nvSpPr>
+        <p:spPr/>
+        <p:txBody>
+          <a:bodyPr/>
+          <a:lstStyle/>
+          <a:p>
+            <a:endParaRPr lang="fr-FR"/>
           </a:p>
         </p:txBody>
       </p:sp>
@@ -9586,8 +9859,8 @@
   <p:clrMapOvr>
     <a:masterClrMapping/>
   </p:clrMapOvr>
-  <p:transition>
-    <p:fade/>
+  <p:transition spd="slow">
+    <p:wipe dir="d"/>
   </p:transition>
   <p:timing>
     <p:tnLst>
@@ -9618,7 +9891,7 @@
       </p:grpSpPr>
       <p:sp>
         <p:nvSpPr>
-          <p:cNvPr id="620546" name="Rectangle 2"/>
+          <p:cNvPr id="618498" name="Rectangle 2"/>
           <p:cNvSpPr>
             <a:spLocks noGrp="1" noChangeArrowheads="1"/>
           </p:cNvSpPr>
@@ -9631,9 +9904,7 @@
         </p:nvSpPr>
         <p:spPr/>
         <p:txBody>
-          <a:bodyPr>
-            <a:normAutofit/>
-          </a:bodyPr>
+          <a:bodyPr/>
           <a:lstStyle/>
           <a:p>
             <a:pPr>
@@ -9641,7 +9912,107 @@
             </a:pPr>
             <a:r>
               <a:rPr lang="fr-FR"/>
-              <a:t>Vous avez des questions ?</a:t>
+              <a:t>Ressources</a:t>
+            </a:r>
+          </a:p>
+        </p:txBody>
+      </p:sp>
+      <p:sp>
+        <p:nvSpPr>
+          <p:cNvPr id="618499" name="Rectangle 3"/>
+          <p:cNvSpPr>
+            <a:spLocks noGrp="1" noChangeArrowheads="1"/>
+          </p:cNvSpPr>
+          <p:nvPr>
+            <p:ph type="body" idx="1"/>
+            <p:custDataLst>
+              <p:tags r:id="rId3"/>
+            </p:custDataLst>
+          </p:nvPr>
+        </p:nvSpPr>
+        <p:spPr/>
+        <p:txBody>
+          <a:bodyPr>
+            <a:normAutofit fontScale="92500" lnSpcReduction="10000"/>
+          </a:bodyPr>
+          <a:lstStyle/>
+          <a:p>
+            <a:pPr>
+              <a:defRPr lang="fr-FR"/>
+            </a:pPr>
+            <a:r>
+              <a:rPr lang="fr-FR"/>
+              <a:t>&lt;Texte du site intranet ici&gt;</a:t>
+            </a:r>
+            <a:r>
+              <a:t/>
+            </a:r>
+            <a:br/>
+            <a:r>
+              <a:rPr lang="fr-FR" u="sng">
+                <a:solidFill>
+                  <a:schemeClr val="tx2"/>
+                </a:solidFill>
+              </a:rPr>
+              <a:t>&lt;lien hypertexte ici&gt;</a:t>
+            </a:r>
+            <a:endParaRPr lang="fr-FR" u="sng"/>
+          </a:p>
+          <a:p>
+            <a:pPr>
+              <a:defRPr lang="fr-FR"/>
+            </a:pPr>
+            <a:endParaRPr lang="fr-FR"/>
+          </a:p>
+          <a:p>
+            <a:pPr>
+              <a:defRPr lang="fr-FR"/>
+            </a:pPr>
+            <a:r>
+              <a:rPr lang="fr-FR"/>
+              <a:t>&lt;Texte de support de lecture supplémentaire ici&gt;</a:t>
+            </a:r>
+            <a:r>
+              <a:t/>
+            </a:r>
+            <a:br/>
+            <a:r>
+              <a:rPr lang="fr-FR" u="sng">
+                <a:solidFill>
+                  <a:schemeClr val="tx2"/>
+                </a:solidFill>
+              </a:rPr>
+              <a:t>&lt;lien hypertexte ici&gt;</a:t>
+            </a:r>
+            <a:endParaRPr lang="fr-FR"/>
+          </a:p>
+          <a:p>
+            <a:pPr>
+              <a:buFontTx/>
+              <a:buNone/>
+              <a:defRPr lang="fr-FR"/>
+            </a:pPr>
+            <a:endParaRPr lang="fr-FR"/>
+          </a:p>
+          <a:p>
+            <a:pPr>
+              <a:defRPr lang="fr-FR"/>
+            </a:pPr>
+            <a:r>
+              <a:rPr lang="fr-FR"/>
+              <a:t>Cet ensemble de diapositives et ressources connexes :</a:t>
+            </a:r>
+            <a:r>
+              <a:t/>
+            </a:r>
+            <a:br/>
+            <a:r>
+              <a:rPr lang="fr-FR" u="sng">
+                <a:solidFill>
+                  <a:schemeClr val="tx2"/>
+                </a:solidFill>
+              </a:rPr>
+              <a:t>&lt;lien hypertexte ici&gt;</a:t>
             </a:r>
           </a:p>
         </p:txBody>
@@ -10044,13 +10415,8 @@
             </a:r>
             <a:r>
               <a:rPr lang="fr-FR" sz="2600" dirty="0" smtClean="0"/>
-              <a:t> of real-world </a:t>
-            </a:r>
-            <a:r>
-              <a:rPr lang="fr-FR" sz="2600" dirty="0" smtClean="0"/>
-              <a:t>scenario.</a:t>
-            </a:r>
-            <a:endParaRPr lang="fr-FR" sz="2600" dirty="0" smtClean="0"/>
+              <a:t> of real-world scenario.</a:t>
+            </a:r>
           </a:p>
           <a:p>
             <a:pPr marL="457200" lvl="1" indent="0">
@@ -10060,6 +10426,88 @@
           </a:p>
         </p:txBody>
       </p:sp>
+      <p:pic>
+        <p:nvPicPr>
+          <p:cNvPr id="1026" name="Picture 2" descr="http://img.directindustry.fr/images_di/photo-g/drones-civils-voilure-tournante-type-helicoptere-101653-3567013.jpg"/>
+          <p:cNvPicPr>
+            <a:picLocks noChangeAspect="1" noChangeArrowheads="1"/>
+          </p:cNvPicPr>
+          <p:nvPr/>
+        </p:nvPicPr>
+        <p:blipFill>
+          <a:blip r:embed="rId6" cstate="email">
+            <a:extLst>
+              <a:ext uri="{28A0092B-C50C-407E-A947-70E740481C1C}">
+                <a14:useLocalDpi xmlns:a14="http://schemas.microsoft.com/office/drawing/2010/main" val="0"/>
+              </a:ext>
+            </a:extLst>
+          </a:blip>
+          <a:srcRect/>
+          <a:stretch>
+            <a:fillRect/>
+          </a:stretch>
+        </p:blipFill>
+        <p:spPr bwMode="auto">
+          <a:xfrm>
+            <a:off x="1115616" y="979335"/>
+            <a:ext cx="1937792" cy="1234156"/>
+          </a:xfrm>
+          <a:prstGeom prst="rect">
+            <a:avLst/>
+          </a:prstGeom>
+          <a:noFill/>
+          <a:extLst>
+            <a:ext uri="{909E8E84-426E-40DD-AFC4-6F175D3DCCD1}">
+              <a14:hiddenFill xmlns:a14="http://schemas.microsoft.com/office/drawing/2010/main">
+                <a:solidFill>
+                  <a:srgbClr val="FFFFFF"/>
+                </a:solidFill>
+              </a14:hiddenFill>
+            </a:ext>
+          </a:extLst>
+        </p:spPr>
+      </p:pic>
+      <p:pic>
+        <p:nvPicPr>
+          <p:cNvPr id="1028" name="Picture 4" descr="http://www.siliconrepublic.com/fs/img/news/201008/rs-426x288/microdrones.jpg"/>
+          <p:cNvPicPr>
+            <a:picLocks noChangeAspect="1" noChangeArrowheads="1"/>
+          </p:cNvPicPr>
+          <p:nvPr/>
+        </p:nvPicPr>
+        <p:blipFill>
+          <a:blip r:embed="rId7" cstate="email">
+            <a:extLst>
+              <a:ext uri="{28A0092B-C50C-407E-A947-70E740481C1C}">
+                <a14:useLocalDpi xmlns:a14="http://schemas.microsoft.com/office/drawing/2010/main" val="0"/>
+              </a:ext>
+            </a:extLst>
+          </a:blip>
+          <a:srcRect/>
+          <a:stretch>
+            <a:fillRect/>
+          </a:stretch>
+        </p:blipFill>
+        <p:spPr bwMode="auto">
+          <a:xfrm>
+            <a:off x="3315835" y="3861049"/>
+            <a:ext cx="2969529" cy="2227148"/>
+          </a:xfrm>
+          <a:prstGeom prst="rect">
+            <a:avLst/>
+          </a:prstGeom>
+          <a:noFill/>
+          <a:extLst>
+            <a:ext uri="{909E8E84-426E-40DD-AFC4-6F175D3DCCD1}">
+              <a14:hiddenFill xmlns:a14="http://schemas.microsoft.com/office/drawing/2010/main">
+                <a:solidFill>
+                  <a:srgbClr val="FFFFFF"/>
+                </a:solidFill>
+              </a14:hiddenFill>
+            </a:ext>
+          </a:extLst>
+        </p:spPr>
+      </p:pic>
     </p:spTree>
     <p:custDataLst>
       <p:tags r:id="rId1"/>
@@ -10664,6 +11112,60 @@
           </a:p>
         </p:txBody>
       </p:sp>
+      <p:pic>
+        <p:nvPicPr>
+          <p:cNvPr id="2050" name="Picture 2"/>
+          <p:cNvPicPr>
+            <a:picLocks noChangeAspect="1" noChangeArrowheads="1"/>
+          </p:cNvPicPr>
+          <p:nvPr/>
+        </p:nvPicPr>
+        <p:blipFill>
+          <a:blip r:embed="rId6">
+            <a:extLst>
+              <a:ext uri="{28A0092B-C50C-407E-A947-70E740481C1C}">
+                <a14:useLocalDpi xmlns:a14="http://schemas.microsoft.com/office/drawing/2010/main" val="0"/>
+              </a:ext>
+            </a:extLst>
+          </a:blip>
+          <a:srcRect/>
+          <a:stretch>
+            <a:fillRect/>
+          </a:stretch>
+        </p:blipFill>
+        <p:spPr bwMode="auto">
+          <a:xfrm>
+            <a:off x="6372200" y="2564904"/>
+            <a:ext cx="2683024" cy="3471098"/>
+          </a:xfrm>
+          <a:prstGeom prst="rect">
+            <a:avLst/>
+          </a:prstGeom>
+          <a:noFill/>
+          <a:ln>
+            <a:noFill/>
+          </a:ln>
+          <a:extLst>
+            <a:ext uri="{909E8E84-426E-40DD-AFC4-6F175D3DCCD1}">
+              <a14:hiddenFill xmlns:a14="http://schemas.microsoft.com/office/drawing/2010/main">
+                <a:solidFill>
+                  <a:schemeClr val="accent1"/>
+                </a:solidFill>
+              </a14:hiddenFill>
+            </a:ext>
+            <a:ext uri="{91240B29-F687-4F45-9708-019B960494DF}">
+              <a14:hiddenLine xmlns:a14="http://schemas.microsoft.com/office/drawing/2010/main" w="9525">
+                <a:solidFill>
+                  <a:schemeClr val="tx1"/>
+                </a:solidFill>
+                <a:miter lim="800000"/>
+                <a:headEnd/>
+                <a:tailEnd/>
+              </a14:hiddenLine>
+            </a:ext>
+          </a:extLst>
+        </p:spPr>
+      </p:pic>
     </p:spTree>
   </p:cSld>
   <p:clrMapOvr>
@@ -13060,6 +13562,12 @@
             <a:endParaRPr lang="fr-FR" dirty="0" smtClean="0"/>
           </a:p>
           <a:p>
+            <a:pPr marL="0" indent="0">
+              <a:buNone/>
+            </a:pPr>
+            <a:endParaRPr lang="fr-FR" dirty="0" smtClean="0"/>
+          </a:p>
+          <a:p>
             <a:pPr lvl="1"/>
             <a:r>
               <a:rPr lang="fr-FR" dirty="0" smtClean="0"/>
@@ -13102,11 +13610,7 @@
             </a:r>
             <a:r>
               <a:rPr lang="fr-FR" dirty="0" smtClean="0"/>
-              <a:t> have </a:t>
-            </a:r>
-            <a:r>
-              <a:rPr lang="fr-FR" dirty="0" smtClean="0"/>
-              <a:t>been </a:t>
+              <a:t> have been </a:t>
             </a:r>
             <a:r>
               <a:rPr lang="fr-FR" dirty="0" err="1" smtClean="0"/>
@@ -13821,7 +14325,7 @@
 
 <file path=ppt/tags/tag29.xml><?xml version="1.0" encoding="utf-8"?>
 <p:tagLst xmlns:a="http://schemas.openxmlformats.org/drawingml/2006/main" xmlns:r="http://schemas.openxmlformats.org/officeDocument/2006/relationships" xmlns:p="http://schemas.openxmlformats.org/presentationml/2006/main">
-  <p:tag name="DVSECTIONID" val="FpChuQ9mrn7ncHkUb4wJDg"/>
+  <p:tag name="DVSECTIONID" val="ezdaKHeWyBnZyZ2cDqRSoa"/>
 </p:tagLst>
 </file>
 
@@ -13833,31 +14337,31 @@
 
 <file path=ppt/tags/tag30.xml><?xml version="1.0" encoding="utf-8"?>
 <p:tagLst xmlns:a="http://schemas.openxmlformats.org/drawingml/2006/main" xmlns:r="http://schemas.openxmlformats.org/officeDocument/2006/relationships" xmlns:p="http://schemas.openxmlformats.org/presentationml/2006/main">
-  <p:tag name="DVSECTIONID" val="OOKFAmQ6LnTdkKqqzhwoax"/>
+  <p:tag name="DVSHAPEID" val="LRMR96J2MVd0CGe2e5htjk"/>
 </p:tagLst>
 </file>
 
 <file path=ppt/tags/tag31.xml><?xml version="1.0" encoding="utf-8"?>
 <p:tagLst xmlns:a="http://schemas.openxmlformats.org/drawingml/2006/main" xmlns:r="http://schemas.openxmlformats.org/officeDocument/2006/relationships" xmlns:p="http://schemas.openxmlformats.org/presentationml/2006/main">
-  <p:tag name="DVSHAPEID" val="XuPQogmzKvTp1YV9ymQ2ZW"/>
+  <p:tag name="DVSECTIONID" val="FpChuQ9mrn7ncHkUb4wJDg"/>
 </p:tagLst>
 </file>
 
 <file path=ppt/tags/tag32.xml><?xml version="1.0" encoding="utf-8"?>
 <p:tagLst xmlns:a="http://schemas.openxmlformats.org/drawingml/2006/main" xmlns:r="http://schemas.openxmlformats.org/officeDocument/2006/relationships" xmlns:p="http://schemas.openxmlformats.org/presentationml/2006/main">
-  <p:tag name="DVSHAPEID" val="S8Cm1higbyIl35Abad2Rjv"/>
+  <p:tag name="DVSECTIONID" val="OOKFAmQ6LnTdkKqqzhwoax"/>
 </p:tagLst>
 </file>
 
 <file path=ppt/tags/tag33.xml><?xml version="1.0" encoding="utf-8"?>
 <p:tagLst xmlns:a="http://schemas.openxmlformats.org/drawingml/2006/main" xmlns:r="http://schemas.openxmlformats.org/officeDocument/2006/relationships" xmlns:p="http://schemas.openxmlformats.org/presentationml/2006/main">
-  <p:tag name="DVSECTIONID" val="ezdaKHeWyBnZyZ2cDqRSoa"/>
+  <p:tag name="DVSHAPEID" val="XuPQogmzKvTp1YV9ymQ2ZW"/>
 </p:tagLst>
 </file>
 
 <file path=ppt/tags/tag34.xml><?xml version="1.0" encoding="utf-8"?>
 <p:tagLst xmlns:a="http://schemas.openxmlformats.org/drawingml/2006/main" xmlns:r="http://schemas.openxmlformats.org/officeDocument/2006/relationships" xmlns:p="http://schemas.openxmlformats.org/presentationml/2006/main">
-  <p:tag name="DVSHAPEID" val="LRMR96J2MVd0CGe2e5htjk"/>
+  <p:tag name="DVSHAPEID" val="S8Cm1higbyIl35Abad2Rjv"/>
 </p:tagLst>
 </file>
 
